--- a/tutorial/general_tutorial/SAGA API levels.pptx
+++ b/tutorial/general_tutorial/SAGA API levels.pptx
@@ -8057,11 +8057,7 @@
           <a:p>
             <a:r>
               <a:rPr lang="en-US" dirty="0" smtClean="0"/>
-              <a:t>Python API </a:t>
-            </a:r>
-            <a:r>
-              <a:rPr lang="en-US" dirty="0" smtClean="0"/>
-              <a:t>Example: </a:t>
+              <a:t>Python API Example: </a:t>
             </a:r>
             <a:r>
               <a:rPr lang="en-US" dirty="0"/>
@@ -8334,11 +8330,7 @@
           <a:p>
             <a:r>
               <a:rPr lang="en-US" dirty="0" smtClean="0"/>
-              <a:t>Python API </a:t>
-            </a:r>
-            <a:r>
-              <a:rPr lang="en-US" dirty="0" smtClean="0"/>
-              <a:t>Example: </a:t>
+              <a:t>Python API Example: </a:t>
             </a:r>
             <a:r>
               <a:rPr lang="en-US" dirty="0"/>
@@ -8486,11 +8478,7 @@
             </a:r>
             <a:r>
               <a:rPr lang="en-US" dirty="0" smtClean="0"/>
-              <a:t>(name</a:t>
-            </a:r>
-            <a:r>
-              <a:rPr lang="en-US" dirty="0" smtClean="0"/>
-              <a:t>)</a:t>
+              <a:t>(name)</a:t>
             </a:r>
             <a:br>
               <a:rPr lang="en-US" dirty="0" smtClean="0"/>
@@ -8543,15 +8531,7 @@
             </a:br>
             <a:r>
               <a:rPr lang="en-US" dirty="0" smtClean="0"/>
-              <a:t>    else:		</a:t>
-            </a:r>
-            <a:r>
-              <a:rPr lang="en-US" dirty="0" smtClean="0"/>
-              <a:t>print </a:t>
-            </a:r>
-            <a:r>
-              <a:rPr lang="en-US" dirty="0" smtClean="0"/>
-              <a:t>'  ', name</a:t>
+              <a:t>    else:		print '  ', name</a:t>
             </a:r>
           </a:p>
         </p:txBody>
@@ -8686,15 +8666,7 @@
           <a:p>
             <a:r>
               <a:rPr lang="en-US" dirty="0" smtClean="0"/>
-              <a:t>Python API </a:t>
-            </a:r>
-            <a:r>
-              <a:rPr lang="en-US" dirty="0" smtClean="0"/>
-              <a:t>Example: </a:t>
-            </a:r>
-            <a:r>
-              <a:rPr lang="en-US" dirty="0" smtClean="0"/>
-              <a:t>Job Package</a:t>
+              <a:t>Python API Example: Job Package</a:t>
             </a:r>
             <a:endParaRPr lang="en-US" dirty="0"/>
           </a:p>
@@ -8717,11 +8689,7 @@
           <a:p>
             <a:r>
               <a:rPr lang="en-US" dirty="0" smtClean="0"/>
-              <a:t>Submit a </a:t>
-            </a:r>
-            <a:r>
-              <a:rPr lang="en-US" dirty="0" smtClean="0"/>
-              <a:t>job</a:t>
+              <a:t>Submit a job</a:t>
             </a:r>
           </a:p>
           <a:p>
@@ -8729,7 +8697,6 @@
               <a:rPr lang="en-US" dirty="0" smtClean="0"/>
               <a:t>FIXME</a:t>
             </a:r>
-            <a:endParaRPr lang="en-US" dirty="0" smtClean="0"/>
           </a:p>
         </p:txBody>
       </p:sp>
@@ -8852,11 +8819,7 @@
           <a:p>
             <a:r>
               <a:rPr lang="en-US" dirty="0" smtClean="0"/>
-              <a:t>Python API </a:t>
-            </a:r>
-            <a:r>
-              <a:rPr lang="en-US" dirty="0" smtClean="0"/>
-              <a:t>Example: </a:t>
+              <a:t>Python API Example: </a:t>
             </a:r>
             <a:r>
               <a:rPr lang="en-US" dirty="0"/>
@@ -8887,15 +8850,7 @@
           <a:p>
             <a:r>
               <a:rPr lang="en-US" dirty="0" smtClean="0"/>
-              <a:t>Create </a:t>
-            </a:r>
-            <a:r>
-              <a:rPr lang="en-US" dirty="0" smtClean="0"/>
-              <a:t>and modify an advert </a:t>
-            </a:r>
-            <a:r>
-              <a:rPr lang="en-US" dirty="0" smtClean="0"/>
-              <a:t>entry</a:t>
+              <a:t>Create and modify an advert entry</a:t>
             </a:r>
           </a:p>
           <a:p>
@@ -9230,19 +9185,7 @@
             </a:r>
             <a:r>
               <a:rPr lang="en-US" dirty="0" smtClean="0"/>
-              <a:t> (' </a:t>
-            </a:r>
-            <a:r>
-              <a:rPr lang="en-US" dirty="0" smtClean="0"/>
-              <a:t>… </a:t>
-            </a:r>
-            <a:r>
-              <a:rPr lang="en-US" dirty="0" smtClean="0"/>
-              <a:t>');</a:t>
-            </a:r>
-            <a:r>
-              <a:rPr lang="en-US" dirty="0" smtClean="0"/>
-              <a:t/>
+              <a:t> (' … ');</a:t>
             </a:r>
             <a:br>
               <a:rPr lang="en-US" dirty="0" smtClean="0"/>
@@ -9265,11 +9208,7 @@
             </a:r>
             <a:r>
               <a:rPr lang="en-US" dirty="0" smtClean="0"/>
-              <a:t> </a:t>
-            </a:r>
-            <a:r>
-              <a:rPr lang="en-US" dirty="0" smtClean="0"/>
-              <a:t>(' </a:t>
+              <a:t> (' </a:t>
             </a:r>
             <a:r>
               <a:rPr lang="en-US" dirty="0"/>
@@ -9296,11 +9235,7 @@
             </a:r>
             <a:r>
               <a:rPr lang="en-US" dirty="0" smtClean="0"/>
-              <a:t>, </a:t>
-            </a:r>
-            <a:r>
-              <a:rPr lang="en-US" dirty="0" smtClean="0"/>
-              <a:t>saga::</a:t>
+              <a:t>, saga::</a:t>
             </a:r>
             <a:r>
               <a:rPr lang="en-US" dirty="0" err="1" smtClean="0"/>
@@ -9341,7 +9276,6 @@
               <a:rPr lang="en-US" dirty="0" smtClean="0"/>
               <a:t>);</a:t>
             </a:r>
-            <a:endParaRPr lang="en-US" dirty="0" smtClean="0"/>
           </a:p>
         </p:txBody>
       </p:sp>
@@ -9545,15 +9479,7 @@
             </a:r>
             <a:r>
               <a:rPr lang="en-US" dirty="0" smtClean="0"/>
-              <a:t> (' </a:t>
-            </a:r>
-            <a:r>
-              <a:rPr lang="en-US" dirty="0" smtClean="0"/>
-              <a:t>… </a:t>
-            </a:r>
-            <a:r>
-              <a:rPr lang="en-US" dirty="0" smtClean="0"/>
-              <a:t>');</a:t>
+              <a:t> (' … ');</a:t>
             </a:r>
             <a:r>
               <a:rPr lang="en-US" dirty="0"/>
@@ -9595,11 +9521,7 @@
             </a:r>
             <a:r>
               <a:rPr lang="en-US" dirty="0" smtClean="0"/>
-              <a:t>::string&gt; names </a:t>
-            </a:r>
-            <a:r>
-              <a:rPr lang="en-US" dirty="0" smtClean="0"/>
-              <a:t>= </a:t>
+              <a:t>::string&gt; names = </a:t>
             </a:r>
             <a:r>
               <a:rPr lang="en-US" dirty="0" err="1"/>
@@ -9664,15 +9586,7 @@
             </a:r>
             <a:r>
               <a:rPr lang="en-US" dirty="0" smtClean="0"/>
-              <a:t>::entry ns (</a:t>
-            </a:r>
-            <a:r>
-              <a:rPr lang="en-US" dirty="0" smtClean="0"/>
-              <a:t>*it);</a:t>
-            </a:r>
-            <a:r>
-              <a:rPr lang="en-US" dirty="0" smtClean="0"/>
-              <a:t/>
+              <a:t>::entry ns (*it);</a:t>
             </a:r>
             <a:br>
               <a:rPr lang="en-US" dirty="0" smtClean="0"/>
@@ -9691,11 +9605,7 @@
             </a:r>
             <a:r>
               <a:rPr lang="en-US" dirty="0" smtClean="0"/>
-              <a:t>())</a:t>
-            </a:r>
-            <a:r>
-              <a:rPr lang="en-US" dirty="0" smtClean="0"/>
-              <a:t>		</a:t>
+              <a:t>())		</a:t>
             </a:r>
             <a:r>
               <a:rPr lang="en-US" dirty="0" err="1" smtClean="0"/>
@@ -9703,43 +9613,50 @@
             </a:r>
             <a:r>
               <a:rPr lang="en-US" dirty="0" smtClean="0"/>
-              <a:t> &lt;&lt; </a:t>
-            </a:r>
-            <a:r>
-              <a:rPr lang="en-US" dirty="0" smtClean="0"/>
-              <a:t>'d </a:t>
-            </a:r>
-            <a:r>
-              <a:rPr lang="en-US" dirty="0" smtClean="0"/>
-              <a:t>' &lt;&lt;  *it </a:t>
-            </a:r>
-            <a:r>
-              <a:rPr lang="en-US" dirty="0" smtClean="0"/>
-              <a:t>&lt;&lt; </a:t>
+              <a:t> &lt;&lt; 'd ' &lt;&lt;  *it &lt;&lt; </a:t>
             </a:r>
             <a:r>
               <a:rPr lang="en-US" dirty="0"/>
-              <a:t>'\n'; </a:t>
-            </a:r>
+              <a:t>'\n'; 	</a:t>
+            </a:r>
+            <a:r>
+              <a:rPr lang="en-US" dirty="0" smtClean="0"/>
+              <a:t>else if (</a:t>
+            </a:r>
+            <a:r>
+              <a:rPr lang="en-US" dirty="0" err="1" smtClean="0"/>
+              <a:t>ns.is_link</a:t>
+            </a:r>
+            <a:r>
+              <a:rPr lang="en-US" dirty="0" smtClean="0"/>
+              <a:t>())	</a:t>
+            </a:r>
+            <a:r>
+              <a:rPr lang="en-US" dirty="0" err="1" smtClean="0"/>
+              <a:t>cout</a:t>
+            </a:r>
+            <a:r>
+              <a:rPr lang="en-US" dirty="0" smtClean="0"/>
+              <a:t> &lt;&lt; '-&gt;' &lt;&lt; </a:t>
+            </a:r>
+            <a:r>
+              <a:rPr lang="en-US" dirty="0" err="1" smtClean="0"/>
+              <a:t>ns.read_link</a:t>
+            </a:r>
+            <a:r>
+              <a:rPr lang="en-US" dirty="0" smtClean="0"/>
+              <a:t>() &lt;&lt; '\n';</a:t>
+            </a:r>
+            <a:br>
+              <a:rPr lang="en-US" dirty="0" smtClean="0"/>
+            </a:br>
             <a:r>
               <a:rPr lang="en-US" dirty="0"/>
               <a:t>	</a:t>
             </a:r>
             <a:r>
               <a:rPr lang="en-US" dirty="0" smtClean="0"/>
-              <a:t>else if (</a:t>
-            </a:r>
-            <a:r>
-              <a:rPr lang="en-US" dirty="0" err="1" smtClean="0"/>
-              <a:t>ns.is_link</a:t>
-            </a:r>
-            <a:r>
-              <a:rPr lang="en-US" dirty="0" smtClean="0"/>
-              <a:t>())</a:t>
-            </a:r>
-            <a:r>
-              <a:rPr lang="en-US" dirty="0" smtClean="0"/>
-              <a:t>	</a:t>
+              <a:t>else:		</a:t>
             </a:r>
             <a:r>
               <a:rPr lang="en-US" dirty="0" err="1" smtClean="0"/>
@@ -9747,46 +9664,7 @@
             </a:r>
             <a:r>
               <a:rPr lang="en-US" dirty="0" smtClean="0"/>
-              <a:t> &lt;&lt; '-&gt;' &lt;&lt; </a:t>
-            </a:r>
-            <a:r>
-              <a:rPr lang="en-US" dirty="0" err="1" smtClean="0"/>
-              <a:t>ns.read_link</a:t>
-            </a:r>
-            <a:r>
-              <a:rPr lang="en-US" dirty="0" smtClean="0"/>
-              <a:t>() &lt;&lt; '\n';</a:t>
-            </a:r>
-            <a:r>
-              <a:rPr lang="en-US" dirty="0" smtClean="0"/>
-              <a:t/>
-            </a:r>
-            <a:br>
-              <a:rPr lang="en-US" dirty="0" smtClean="0"/>
-            </a:br>
-            <a:r>
-              <a:rPr lang="en-US" dirty="0"/>
-              <a:t>	</a:t>
-            </a:r>
-            <a:r>
-              <a:rPr lang="en-US" dirty="0" smtClean="0"/>
-              <a:t>else</a:t>
-            </a:r>
-            <a:r>
-              <a:rPr lang="en-US" dirty="0" smtClean="0"/>
-              <a:t>:		</a:t>
-            </a:r>
-            <a:r>
-              <a:rPr lang="en-US" dirty="0" err="1" smtClean="0"/>
-              <a:t>cout</a:t>
-            </a:r>
-            <a:r>
-              <a:rPr lang="en-US" dirty="0" smtClean="0"/>
-              <a:t> &lt;&lt; '  ' &lt;&lt; </a:t>
-            </a:r>
-            <a:r>
-              <a:rPr lang="en-US" dirty="0" smtClean="0"/>
-              <a:t>*it &lt;&lt; </a:t>
+              <a:t> &lt;&lt; '  ' &lt;&lt; *it &lt;&lt; </a:t>
             </a:r>
             <a:r>
               <a:rPr lang="en-US" dirty="0"/>
@@ -9803,7 +9681,6 @@
               <a:rPr lang="en-US" dirty="0" smtClean="0"/>
               <a:t>}</a:t>
             </a:r>
-            <a:endParaRPr lang="en-US" dirty="0" smtClean="0"/>
           </a:p>
         </p:txBody>
       </p:sp>
@@ -10139,11 +10016,7 @@
           <a:p>
             <a:r>
               <a:rPr lang="en-US" dirty="0" smtClean="0"/>
-              <a:t>Submit a </a:t>
-            </a:r>
-            <a:r>
-              <a:rPr lang="en-US" dirty="0" smtClean="0"/>
-              <a:t>job</a:t>
+              <a:t>Submit a job</a:t>
             </a:r>
           </a:p>
           <a:p>
@@ -10151,7 +10024,6 @@
               <a:rPr lang="en-US" dirty="0" smtClean="0"/>
               <a:t>FIXME</a:t>
             </a:r>
-            <a:endParaRPr lang="en-US" dirty="0" smtClean="0"/>
           </a:p>
         </p:txBody>
       </p:sp>
@@ -10280,7 +10152,6 @@
               <a:rPr lang="en-US" dirty="0"/>
               <a:t>Advert Package</a:t>
             </a:r>
-            <a:endParaRPr lang="en-US" dirty="0"/>
           </a:p>
         </p:txBody>
       </p:sp>
@@ -10966,11 +10837,7 @@
             <a:pPr lvl="1"/>
             <a:r>
               <a:rPr lang="en-US" dirty="0" smtClean="0"/>
-              <a:t>http://</a:t>
-            </a:r>
-            <a:r>
-              <a:rPr lang="en-US" dirty="0" smtClean="0"/>
-              <a:t>faust.cct.lsu.edu/trac/saga/wiki/		</a:t>
+              <a:t>http://faust.cct.lsu.edu/trac/saga/wiki/		</a:t>
             </a:r>
             <a:r>
               <a:rPr lang="en-US" dirty="0" smtClean="0">
@@ -11019,11 +10886,7 @@
             </a:r>
             <a:r>
               <a:rPr lang="en-US" dirty="0" smtClean="0"/>
-              <a:t>" to </a:t>
-            </a:r>
-            <a:r>
-              <a:rPr lang="en-US" dirty="0" smtClean="0"/>
-              <a:t>"</a:t>
+              <a:t>" to "</a:t>
             </a:r>
             <a:r>
               <a:rPr lang="en-US" dirty="0" smtClean="0">
@@ -11037,7 +10900,6 @@
               <a:rPr lang="en-US" dirty="0" smtClean="0"/>
               <a:t>"</a:t>
             </a:r>
-            <a:endParaRPr lang="en-US" dirty="0" smtClean="0"/>
           </a:p>
         </p:txBody>
       </p:sp>
@@ -12105,7 +11967,7 @@
             <p:ph idx="1"/>
             <p:extLst>
               <p:ext uri="{D42A27DB-BD31-4B8C-83A1-F6EECF244321}">
-                <p14:modId xmlns:p14="http://schemas.microsoft.com/office/powerpoint/2010/main" val="3323171977"/>
+                <p14:modId xmlns:p14="http://schemas.microsoft.com/office/powerpoint/2010/main" val="3478891187"/>
               </p:ext>
             </p:extLst>
           </p:nvPr>
@@ -12429,19 +12291,25 @@
                   </a:txBody>
                   <a:tcPr anchor="ctr"/>
                 </a:tc>
-                <a:tc>
+                <a:tc gridSpan="3">
                   <a:txBody>
                     <a:bodyPr/>
                     <a:lstStyle/>
                     <a:p>
-                      <a:pPr algn="l"/>
+                      <a:pPr algn="l">
+                        <a:tabLst/>
+                      </a:pPr>
                       <a:r>
                         <a:rPr lang="en-US" sz="2000" dirty="0" smtClean="0"/>
-                        <a:t>saga-file</a:t>
+                        <a:t>	saga-file</a:t>
                       </a:r>
                       <a:r>
                         <a:rPr lang="en-US" sz="2000" baseline="0" dirty="0" smtClean="0"/>
-                        <a:t> copy </a:t>
+                        <a:t> </a:t>
+                      </a:r>
+                      <a:r>
+                        <a:rPr lang="en-US" sz="2000" baseline="0" dirty="0" smtClean="0"/>
+                        <a:t>copy </a:t>
                       </a:r>
                       <a:r>
                         <a:rPr lang="en-US" sz="2000" baseline="0" dirty="0" err="1" smtClean="0"/>
@@ -12460,80 +12328,22 @@
                   </a:txBody>
                   <a:tcPr anchor="ctr"/>
                 </a:tc>
-                <a:tc>
+                <a:tc hMerge="1">
                   <a:txBody>
                     <a:bodyPr/>
                     <a:lstStyle/>
                     <a:p>
-                      <a:pPr marL="0" marR="0" indent="0" algn="l" defTabSz="1300460" rtl="0" eaLnBrk="1" fontAlgn="auto" latinLnBrk="0" hangingPunct="1">
-                        <a:lnSpc>
-                          <a:spcPct val="100000"/>
-                        </a:lnSpc>
-                        <a:spcBef>
-                          <a:spcPts val="0"/>
-                        </a:spcBef>
-                        <a:spcAft>
-                          <a:spcPts val="0"/>
-                        </a:spcAft>
-                        <a:buClrTx/>
-                        <a:buSzTx/>
-                        <a:buFontTx/>
-                        <a:buNone/>
-                        <a:tabLst/>
-                        <a:defRPr/>
-                      </a:pPr>
-                      <a:r>
-                        <a:rPr lang="en-US" sz="2000" dirty="0" smtClean="0"/>
-                        <a:t>saga-file </a:t>
-                      </a:r>
-                      <a:r>
-                        <a:rPr lang="en-US" sz="2000" baseline="0" dirty="0" smtClean="0"/>
-                        <a:t>copy </a:t>
-                      </a:r>
-                      <a:r>
-                        <a:rPr lang="en-US" sz="2000" baseline="0" dirty="0" err="1" smtClean="0"/>
-                        <a:t>src</a:t>
-                      </a:r>
-                      <a:r>
-                        <a:rPr lang="en-US" sz="2000" baseline="0" dirty="0" smtClean="0"/>
-                        <a:t> </a:t>
-                      </a:r>
-                      <a:r>
-                        <a:rPr lang="en-US" sz="2000" baseline="0" dirty="0" err="1" smtClean="0"/>
-                        <a:t>dest</a:t>
-                      </a:r>
-                      <a:endParaRPr lang="en-US" sz="2000" dirty="0" smtClean="0"/>
+                      <a:endParaRPr lang="en-US" dirty="0"/>
                     </a:p>
                   </a:txBody>
                   <a:tcPr anchor="ctr"/>
                 </a:tc>
-                <a:tc>
+                <a:tc hMerge="1">
                   <a:txBody>
                     <a:bodyPr/>
                     <a:lstStyle/>
                     <a:p>
-                      <a:pPr algn="l"/>
-                      <a:r>
-                        <a:rPr lang="en-US" sz="2000" dirty="0" smtClean="0"/>
-                        <a:t>saga-file </a:t>
-                      </a:r>
-                      <a:r>
-                        <a:rPr lang="en-US" sz="2000" baseline="0" dirty="0" smtClean="0"/>
-                        <a:t>copy </a:t>
-                      </a:r>
-                      <a:r>
-                        <a:rPr lang="en-US" sz="2000" baseline="0" dirty="0" err="1" smtClean="0"/>
-                        <a:t>src</a:t>
-                      </a:r>
-                      <a:r>
-                        <a:rPr lang="en-US" sz="2000" baseline="0" dirty="0" smtClean="0"/>
-                        <a:t> </a:t>
-                      </a:r>
-                      <a:r>
-                        <a:rPr lang="en-US" sz="2000" baseline="0" dirty="0" err="1" smtClean="0"/>
-                        <a:t>dest</a:t>
-                      </a:r>
-                      <a:endParaRPr lang="en-US" sz="2000" dirty="0"/>
+                      <a:endParaRPr lang="en-US" dirty="0"/>
                     </a:p>
                   </a:txBody>
                   <a:tcPr anchor="ctr"/>
@@ -12561,34 +12371,7 @@
                   </a:txBody>
                   <a:tcPr/>
                 </a:tc>
-                <a:tc>
-                  <a:txBody>
-                    <a:bodyPr/>
-                    <a:lstStyle/>
-                    <a:p>
-                      <a:pPr algn="l"/>
-                      <a:r>
-                        <a:rPr lang="en-US" sz="2000" dirty="0" smtClean="0"/>
-                        <a:t>saga-job run </a:t>
-                      </a:r>
-                      <a:r>
-                        <a:rPr lang="en-US" sz="2000" dirty="0" err="1" smtClean="0"/>
-                        <a:t>rm</a:t>
-                      </a:r>
-                      <a:r>
-                        <a:rPr lang="en-US" sz="2000" dirty="0" smtClean="0"/>
-                        <a:t> </a:t>
-                      </a:r>
-                      <a:r>
-                        <a:rPr lang="en-US" sz="2000" dirty="0" err="1" smtClean="0"/>
-                        <a:t>cmd</a:t>
-                      </a:r>
-                      <a:endParaRPr lang="en-US" sz="2000" dirty="0"/>
-                    </a:p>
-                  </a:txBody>
-                  <a:tcPr anchor="ctr"/>
-                </a:tc>
-                <a:tc>
+                <a:tc gridSpan="3">
                   <a:txBody>
                     <a:bodyPr/>
                     <a:lstStyle/>
@@ -12612,7 +12395,7 @@
                       </a:pPr>
                       <a:r>
                         <a:rPr lang="en-US" sz="2000" dirty="0" smtClean="0"/>
-                        <a:t>saga-job run </a:t>
+                        <a:t>	saga-job run </a:t>
                       </a:r>
                       <a:r>
                         <a:rPr lang="en-US" sz="2000" dirty="0" err="1" smtClean="0"/>
@@ -12631,29 +12414,22 @@
                   </a:txBody>
                   <a:tcPr anchor="ctr"/>
                 </a:tc>
-                <a:tc>
+                <a:tc hMerge="1">
                   <a:txBody>
                     <a:bodyPr/>
                     <a:lstStyle/>
                     <a:p>
-                      <a:pPr algn="l"/>
-                      <a:r>
-                        <a:rPr lang="en-US" sz="2000" dirty="0" smtClean="0"/>
-                        <a:t>saga-job run </a:t>
-                      </a:r>
-                      <a:r>
-                        <a:rPr lang="en-US" sz="2000" dirty="0" err="1" smtClean="0"/>
-                        <a:t>rm</a:t>
-                      </a:r>
-                      <a:r>
-                        <a:rPr lang="en-US" sz="2000" dirty="0" smtClean="0"/>
-                        <a:t> </a:t>
-                      </a:r>
-                      <a:r>
-                        <a:rPr lang="en-US" sz="2000" dirty="0" err="1" smtClean="0"/>
-                        <a:t>cmd</a:t>
-                      </a:r>
-                      <a:endParaRPr lang="en-US" sz="2000" dirty="0"/>
+                      <a:endParaRPr lang="en-US" dirty="0"/>
+                    </a:p>
+                  </a:txBody>
+                  <a:tcPr anchor="ctr"/>
+                </a:tc>
+                <a:tc hMerge="1">
+                  <a:txBody>
+                    <a:bodyPr/>
+                    <a:lstStyle/>
+                    <a:p>
+                      <a:endParaRPr lang="en-US" dirty="0"/>
                     </a:p>
                   </a:txBody>
                   <a:tcPr anchor="ctr"/>
@@ -12686,7 +12462,7 @@
                   </a:txBody>
                   <a:tcPr anchor="ctr"/>
                 </a:tc>
-                <a:tc>
+                <a:tc gridSpan="3">
                   <a:txBody>
                     <a:bodyPr/>
                     <a:lstStyle/>
@@ -12694,7 +12470,7 @@
                       <a:pPr algn="l"/>
                       <a:r>
                         <a:rPr lang="en-US" sz="2000" dirty="0" smtClean="0"/>
-                        <a:t>import </a:t>
+                        <a:t>	import </a:t>
                       </a:r>
                       <a:r>
                         <a:rPr lang="en-US" sz="2000" dirty="0" err="1" smtClean="0"/>
@@ -12704,6 +12480,10 @@
                     </a:p>
                     <a:p>
                       <a:pPr algn="l"/>
+                      <a:r>
+                        <a:rPr lang="en-US" sz="2000" dirty="0" smtClean="0"/>
+                        <a:t>	</a:t>
+                      </a:r>
                       <a:r>
                         <a:rPr lang="en-US" sz="2000" dirty="0" err="1" smtClean="0"/>
                         <a:t>dir.copy</a:t>
@@ -12733,96 +12513,22 @@
                   </a:txBody>
                   <a:tcPr anchor="ctr"/>
                 </a:tc>
-                <a:tc>
+                <a:tc hMerge="1">
                   <a:txBody>
                     <a:bodyPr/>
                     <a:lstStyle/>
                     <a:p>
-                      <a:pPr algn="l"/>
-                      <a:r>
-                        <a:rPr lang="en-US" sz="2000" dirty="0" smtClean="0"/>
-                        <a:t>import </a:t>
-                      </a:r>
-                      <a:r>
-                        <a:rPr lang="en-US" sz="2000" dirty="0" err="1" smtClean="0"/>
-                        <a:t>saga.filesystem</a:t>
-                      </a:r>
-                      <a:endParaRPr lang="en-US" sz="2000" dirty="0" smtClean="0"/>
-                    </a:p>
-                    <a:p>
-                      <a:pPr algn="l"/>
-                      <a:r>
-                        <a:rPr lang="en-US" sz="2000" dirty="0" err="1" smtClean="0"/>
-                        <a:t>dir.copy</a:t>
-                      </a:r>
-                      <a:r>
-                        <a:rPr lang="en-US" sz="2000" dirty="0" smtClean="0"/>
-                        <a:t>(</a:t>
-                      </a:r>
-                      <a:r>
-                        <a:rPr lang="en-US" sz="2000" dirty="0" err="1" smtClean="0"/>
-                        <a:t>src</a:t>
-                      </a:r>
-                      <a:r>
-                        <a:rPr lang="en-US" sz="2000" dirty="0" smtClean="0"/>
-                        <a:t>, </a:t>
-                      </a:r>
-                      <a:r>
-                        <a:rPr lang="en-US" sz="2000" dirty="0" err="1" smtClean="0"/>
-                        <a:t>dest</a:t>
-                      </a:r>
-                      <a:r>
-                        <a:rPr lang="en-US" sz="2000" dirty="0" smtClean="0"/>
-                        <a:t>)</a:t>
-                      </a:r>
-                      <a:endParaRPr lang="en-US" sz="2000" dirty="0"/>
+                      <a:endParaRPr lang="en-US" dirty="0"/>
                     </a:p>
                   </a:txBody>
                   <a:tcPr anchor="ctr"/>
                 </a:tc>
-                <a:tc>
+                <a:tc hMerge="1">
                   <a:txBody>
                     <a:bodyPr/>
                     <a:lstStyle/>
                     <a:p>
-                      <a:pPr algn="l"/>
-                      <a:r>
-                        <a:rPr lang="en-US" sz="2000" dirty="0" smtClean="0"/>
-                        <a:t>import </a:t>
-                      </a:r>
-                      <a:r>
-                        <a:rPr lang="en-US" sz="2000" dirty="0" err="1" smtClean="0"/>
-                        <a:t>saga.filesystem</a:t>
-                      </a:r>
-                      <a:endParaRPr lang="en-US" sz="2000" dirty="0" smtClean="0"/>
-                    </a:p>
-                    <a:p>
-                      <a:pPr algn="l"/>
-                      <a:r>
-                        <a:rPr lang="en-US" sz="2000" dirty="0" err="1" smtClean="0"/>
-                        <a:t>dir.copy</a:t>
-                      </a:r>
-                      <a:r>
-                        <a:rPr lang="en-US" sz="2000" dirty="0" smtClean="0"/>
-                        <a:t>(</a:t>
-                      </a:r>
-                      <a:r>
-                        <a:rPr lang="en-US" sz="2000" dirty="0" err="1" smtClean="0"/>
-                        <a:t>src</a:t>
-                      </a:r>
-                      <a:r>
-                        <a:rPr lang="en-US" sz="2000" dirty="0" smtClean="0"/>
-                        <a:t>, </a:t>
-                      </a:r>
-                      <a:r>
-                        <a:rPr lang="en-US" sz="2000" dirty="0" err="1" smtClean="0"/>
-                        <a:t>dest</a:t>
-                      </a:r>
-                      <a:r>
-                        <a:rPr lang="en-US" sz="2000" dirty="0" smtClean="0"/>
-                        <a:t>)</a:t>
-                      </a:r>
-                      <a:endParaRPr lang="en-US" sz="2000" dirty="0"/>
+                      <a:endParaRPr lang="en-US" dirty="0"/>
                     </a:p>
                   </a:txBody>
                   <a:tcPr anchor="ctr"/>
@@ -12850,7 +12556,7 @@
                   </a:txBody>
                   <a:tcPr/>
                 </a:tc>
-                <a:tc>
+                <a:tc gridSpan="3">
                   <a:txBody>
                     <a:bodyPr/>
                     <a:lstStyle/>
@@ -12858,7 +12564,7 @@
                       <a:pPr algn="l"/>
                       <a:r>
                         <a:rPr lang="en-US" sz="2000" dirty="0" smtClean="0"/>
-                        <a:t>import </a:t>
+                        <a:t>	import </a:t>
                       </a:r>
                       <a:r>
                         <a:rPr lang="en-US" sz="2000" dirty="0" err="1" smtClean="0"/>
@@ -12868,6 +12574,10 @@
                     </a:p>
                     <a:p>
                       <a:pPr algn="l"/>
+                      <a:r>
+                        <a:rPr lang="en-US" sz="2000" dirty="0" smtClean="0"/>
+                        <a:t>	</a:t>
+                      </a:r>
                       <a:r>
                         <a:rPr lang="en-US" sz="2000" dirty="0" err="1" smtClean="0"/>
                         <a:t>js.run</a:t>
@@ -12889,80 +12599,22 @@
                   </a:txBody>
                   <a:tcPr anchor="ctr"/>
                 </a:tc>
-                <a:tc>
+                <a:tc hMerge="1">
                   <a:txBody>
                     <a:bodyPr/>
                     <a:lstStyle/>
                     <a:p>
-                      <a:pPr algn="l"/>
-                      <a:r>
-                        <a:rPr lang="en-US" sz="2000" dirty="0" smtClean="0"/>
-                        <a:t>import </a:t>
-                      </a:r>
-                      <a:r>
-                        <a:rPr lang="en-US" sz="2000" dirty="0" err="1" smtClean="0"/>
-                        <a:t>saga.job</a:t>
-                      </a:r>
-                      <a:endParaRPr lang="en-US" sz="2000" dirty="0" smtClean="0"/>
-                    </a:p>
-                    <a:p>
-                      <a:pPr algn="l"/>
-                      <a:r>
-                        <a:rPr lang="en-US" sz="2000" dirty="0" err="1" smtClean="0"/>
-                        <a:t>js.run</a:t>
-                      </a:r>
-                      <a:r>
-                        <a:rPr lang="en-US" sz="2000" dirty="0" smtClean="0"/>
-                        <a:t>(</a:t>
-                      </a:r>
-                      <a:r>
-                        <a:rPr lang="en-US" sz="2000" dirty="0" err="1" smtClean="0"/>
-                        <a:t>cmd</a:t>
-                      </a:r>
-                      <a:r>
-                        <a:rPr lang="en-US" sz="2000" dirty="0" smtClean="0"/>
-                        <a:t>)</a:t>
-                      </a:r>
-                      <a:endParaRPr lang="en-US" sz="2000" dirty="0"/>
+                      <a:endParaRPr lang="en-US" dirty="0"/>
                     </a:p>
                   </a:txBody>
                   <a:tcPr anchor="ctr"/>
                 </a:tc>
-                <a:tc>
+                <a:tc hMerge="1">
                   <a:txBody>
                     <a:bodyPr/>
                     <a:lstStyle/>
                     <a:p>
-                      <a:pPr algn="l"/>
-                      <a:r>
-                        <a:rPr lang="en-US" sz="2000" dirty="0" smtClean="0"/>
-                        <a:t>import </a:t>
-                      </a:r>
-                      <a:r>
-                        <a:rPr lang="en-US" sz="2000" dirty="0" err="1" smtClean="0"/>
-                        <a:t>saga.job</a:t>
-                      </a:r>
-                      <a:endParaRPr lang="en-US" sz="2000" dirty="0" smtClean="0"/>
-                    </a:p>
-                    <a:p>
-                      <a:pPr algn="l"/>
-                      <a:r>
-                        <a:rPr lang="en-US" sz="2000" dirty="0" err="1" smtClean="0"/>
-                        <a:t>js.run</a:t>
-                      </a:r>
-                      <a:r>
-                        <a:rPr lang="en-US" sz="2000" dirty="0" smtClean="0"/>
-                        <a:t>(</a:t>
-                      </a:r>
-                      <a:r>
-                        <a:rPr lang="en-US" sz="2000" dirty="0" err="1" smtClean="0"/>
-                        <a:t>cmd</a:t>
-                      </a:r>
-                      <a:r>
-                        <a:rPr lang="en-US" sz="2000" dirty="0" smtClean="0"/>
-                        <a:t>)</a:t>
-                      </a:r>
-                      <a:endParaRPr lang="en-US" sz="2000" dirty="0"/>
+                      <a:endParaRPr lang="en-US" dirty="0"/>
                     </a:p>
                   </a:txBody>
                   <a:tcPr anchor="ctr"/>
@@ -12995,7 +12647,7 @@
                   </a:txBody>
                   <a:tcPr anchor="ctr"/>
                 </a:tc>
-                <a:tc>
+                <a:tc gridSpan="3">
                   <a:txBody>
                     <a:bodyPr/>
                     <a:lstStyle/>
@@ -13003,7 +12655,7 @@
                       <a:pPr algn="l"/>
                       <a:r>
                         <a:rPr lang="en-US" sz="2000" dirty="0" smtClean="0"/>
-                        <a:t>using</a:t>
+                        <a:t>	using</a:t>
                       </a:r>
                       <a:r>
                         <a:rPr lang="en-US" sz="2000" baseline="0" dirty="0" smtClean="0"/>
@@ -13018,12 +12670,17 @@
                         <a:t>filesystem</a:t>
                       </a:r>
                       <a:r>
-                        <a:rPr lang="en-US" sz="2000" dirty="0" smtClean="0"/>
-                        <a:t>;</a:t>
+                        <a:rPr lang="en-US" sz="2000" smtClean="0"/>
+                        <a:t>::directory;</a:t>
                       </a:r>
+                      <a:endParaRPr lang="en-US" sz="2000" dirty="0" smtClean="0"/>
                     </a:p>
                     <a:p>
                       <a:pPr algn="l"/>
+                      <a:r>
+                        <a:rPr lang="en-US" sz="2000" dirty="0" smtClean="0"/>
+                        <a:t>	</a:t>
+                      </a:r>
                       <a:r>
                         <a:rPr lang="en-US" sz="2000" dirty="0" err="1" smtClean="0"/>
                         <a:t>dir.copy</a:t>
@@ -13052,116 +12709,22 @@
                   </a:txBody>
                   <a:tcPr anchor="ctr"/>
                 </a:tc>
-                <a:tc>
+                <a:tc hMerge="1">
                   <a:txBody>
                     <a:bodyPr/>
                     <a:lstStyle/>
                     <a:p>
-                      <a:pPr algn="l"/>
-                      <a:r>
-                        <a:rPr lang="en-US" sz="2000" dirty="0" smtClean="0"/>
-                        <a:t>using</a:t>
-                      </a:r>
-                      <a:r>
-                        <a:rPr lang="en-US" sz="2000" baseline="0" dirty="0" smtClean="0"/>
-                        <a:t> </a:t>
-                      </a:r>
-                      <a:r>
-                        <a:rPr lang="en-US" sz="2000" dirty="0" smtClean="0"/>
-                        <a:t>saga::</a:t>
-                      </a:r>
-                      <a:r>
-                        <a:rPr lang="en-US" sz="2000" dirty="0" err="1" smtClean="0"/>
-                        <a:t>filesystem</a:t>
-                      </a:r>
-                      <a:r>
-                        <a:rPr lang="en-US" sz="2000" dirty="0" smtClean="0"/>
-                        <a:t>;</a:t>
-                      </a:r>
-                    </a:p>
-                    <a:p>
-                      <a:pPr algn="l"/>
-                      <a:r>
-                        <a:rPr lang="en-US" sz="2000" dirty="0" err="1" smtClean="0"/>
-                        <a:t>dir.copy</a:t>
-                      </a:r>
-                      <a:r>
-                        <a:rPr lang="en-US" sz="2000" dirty="0" smtClean="0"/>
-                        <a:t>(</a:t>
-                      </a:r>
-                      <a:r>
-                        <a:rPr lang="en-US" sz="2000" dirty="0" err="1" smtClean="0"/>
-                        <a:t>src</a:t>
-                      </a:r>
-                      <a:r>
-                        <a:rPr lang="en-US" sz="2000" dirty="0" smtClean="0"/>
-                        <a:t>, </a:t>
-                      </a:r>
-                      <a:r>
-                        <a:rPr lang="en-US" sz="2000" dirty="0" err="1" smtClean="0"/>
-                        <a:t>dest</a:t>
-                      </a:r>
-                      <a:r>
-                        <a:rPr lang="en-US" sz="2000" dirty="0" smtClean="0"/>
-                        <a:t>)</a:t>
-                      </a:r>
+                      <a:endParaRPr lang="en-US" dirty="0"/>
                     </a:p>
                   </a:txBody>
                   <a:tcPr anchor="ctr"/>
                 </a:tc>
-                <a:tc>
+                <a:tc hMerge="1">
                   <a:txBody>
                     <a:bodyPr/>
                     <a:lstStyle/>
                     <a:p>
-                      <a:pPr algn="l"/>
-                      <a:r>
-                        <a:rPr lang="en-US" sz="2000" dirty="0" smtClean="0"/>
-                        <a:t>using</a:t>
-                      </a:r>
-                      <a:r>
-                        <a:rPr lang="en-US" sz="2000" baseline="0" dirty="0" smtClean="0"/>
-                        <a:t> </a:t>
-                      </a:r>
-                      <a:r>
-                        <a:rPr lang="en-US" sz="2000" dirty="0" smtClean="0"/>
-                        <a:t>saga::</a:t>
-                      </a:r>
-                      <a:r>
-                        <a:rPr lang="en-US" sz="2000" dirty="0" err="1" smtClean="0"/>
-                        <a:t>filesystem</a:t>
-                      </a:r>
-                      <a:r>
-                        <a:rPr lang="en-US" sz="2000" dirty="0" smtClean="0"/>
-                        <a:t>;</a:t>
-                      </a:r>
-                    </a:p>
-                    <a:p>
-                      <a:pPr algn="l"/>
-                      <a:r>
-                        <a:rPr lang="en-US" sz="2000" dirty="0" err="1" smtClean="0"/>
-                        <a:t>dir.copy</a:t>
-                      </a:r>
-                      <a:r>
-                        <a:rPr lang="en-US" sz="2000" dirty="0" smtClean="0"/>
-                        <a:t>(</a:t>
-                      </a:r>
-                      <a:r>
-                        <a:rPr lang="en-US" sz="2000" dirty="0" err="1" smtClean="0"/>
-                        <a:t>src</a:t>
-                      </a:r>
-                      <a:r>
-                        <a:rPr lang="en-US" sz="2000" dirty="0" smtClean="0"/>
-                        <a:t>, </a:t>
-                      </a:r>
-                      <a:r>
-                        <a:rPr lang="en-US" sz="2000" dirty="0" err="1" smtClean="0"/>
-                        <a:t>dest</a:t>
-                      </a:r>
-                      <a:r>
-                        <a:rPr lang="en-US" sz="2000" dirty="0" smtClean="0"/>
-                        <a:t>)</a:t>
-                      </a:r>
+                      <a:endParaRPr lang="en-US" dirty="0"/>
                     </a:p>
                   </a:txBody>
                   <a:tcPr anchor="ctr"/>
@@ -13189,7 +12752,7 @@
                   </a:txBody>
                   <a:tcPr/>
                 </a:tc>
-                <a:tc>
+                <a:tc gridSpan="3">
                   <a:txBody>
                     <a:bodyPr/>
                     <a:lstStyle/>
@@ -13197,11 +12760,19 @@
                       <a:pPr algn="l"/>
                       <a:r>
                         <a:rPr lang="en-US" sz="2000" dirty="0" smtClean="0"/>
-                        <a:t>using saga::job::job;</a:t>
+                        <a:t>	using </a:t>
+                      </a:r>
+                      <a:r>
+                        <a:rPr lang="en-US" sz="2000" dirty="0" smtClean="0"/>
+                        <a:t>saga::job::job;</a:t>
                       </a:r>
                     </a:p>
                     <a:p>
                       <a:pPr algn="l"/>
+                      <a:r>
+                        <a:rPr lang="en-US" sz="2000" dirty="0" smtClean="0"/>
+                        <a:t>	</a:t>
+                      </a:r>
                       <a:r>
                         <a:rPr lang="en-US" sz="2000" dirty="0" err="1" smtClean="0"/>
                         <a:t>job.run</a:t>
@@ -13222,68 +12793,22 @@
                   </a:txBody>
                   <a:tcPr anchor="ctr"/>
                 </a:tc>
-                <a:tc>
+                <a:tc hMerge="1">
                   <a:txBody>
                     <a:bodyPr/>
                     <a:lstStyle/>
                     <a:p>
-                      <a:pPr algn="l"/>
-                      <a:r>
-                        <a:rPr lang="en-US" sz="2000" dirty="0" smtClean="0"/>
-                        <a:t>using saga::job::job;</a:t>
-                      </a:r>
-                    </a:p>
-                    <a:p>
-                      <a:pPr algn="l"/>
-                      <a:r>
-                        <a:rPr lang="en-US" sz="2000" dirty="0" err="1" smtClean="0"/>
-                        <a:t>job.run</a:t>
-                      </a:r>
-                      <a:r>
-                        <a:rPr lang="en-US" sz="2000" dirty="0" smtClean="0"/>
-                        <a:t>(</a:t>
-                      </a:r>
-                      <a:r>
-                        <a:rPr lang="en-US" sz="2000" dirty="0" err="1" smtClean="0"/>
-                        <a:t>cmd</a:t>
-                      </a:r>
-                      <a:r>
-                        <a:rPr lang="en-US" sz="2000" dirty="0" smtClean="0"/>
-                        <a:t>);</a:t>
-                      </a:r>
+                      <a:endParaRPr lang="en-US" dirty="0"/>
                     </a:p>
                   </a:txBody>
                   <a:tcPr anchor="ctr"/>
                 </a:tc>
-                <a:tc>
+                <a:tc hMerge="1">
                   <a:txBody>
                     <a:bodyPr/>
                     <a:lstStyle/>
                     <a:p>
-                      <a:pPr algn="l"/>
-                      <a:r>
-                        <a:rPr lang="en-US" sz="2000" dirty="0" smtClean="0"/>
-                        <a:t>using saga::job::job;</a:t>
-                      </a:r>
-                    </a:p>
-                    <a:p>
-                      <a:pPr algn="l"/>
-                      <a:r>
-                        <a:rPr lang="en-US" sz="2000" dirty="0" err="1" smtClean="0"/>
-                        <a:t>job.run</a:t>
-                      </a:r>
-                      <a:r>
-                        <a:rPr lang="en-US" sz="2000" dirty="0" smtClean="0"/>
-                        <a:t>(</a:t>
-                      </a:r>
-                      <a:r>
-                        <a:rPr lang="en-US" sz="2000" dirty="0" err="1" smtClean="0"/>
-                        <a:t>cmd</a:t>
-                      </a:r>
-                      <a:r>
-                        <a:rPr lang="en-US" sz="2000" dirty="0" smtClean="0"/>
-                        <a:t>);</a:t>
-                      </a:r>
+                      <a:endParaRPr lang="en-US" dirty="0"/>
                     </a:p>
                   </a:txBody>
                   <a:tcPr anchor="ctr"/>
